--- a/344 - Begone, Unbelief.pptx
+++ b/344 - Begone, Unbelief.pptx
@@ -242,7 +242,7 @@
           <a:p>
             <a:fld id="{32F7251A-AE54-443C-B8FE-5F636E835EBF}" type="datetimeFigureOut">
               <a:rPr lang="en-US" smtClean="0"/>
-              <a:t>7/1/2018</a:t>
+              <a:t>5/19/2019</a:t>
             </a:fld>
             <a:endParaRPr lang="en-US"/>
           </a:p>
@@ -410,7 +410,7 @@
           <a:p>
             <a:fld id="{32F7251A-AE54-443C-B8FE-5F636E835EBF}" type="datetimeFigureOut">
               <a:rPr lang="en-US" smtClean="0"/>
-              <a:t>7/1/2018</a:t>
+              <a:t>5/19/2019</a:t>
             </a:fld>
             <a:endParaRPr lang="en-US"/>
           </a:p>
@@ -588,7 +588,7 @@
           <a:p>
             <a:fld id="{32F7251A-AE54-443C-B8FE-5F636E835EBF}" type="datetimeFigureOut">
               <a:rPr lang="en-US" smtClean="0"/>
-              <a:t>7/1/2018</a:t>
+              <a:t>5/19/2019</a:t>
             </a:fld>
             <a:endParaRPr lang="en-US"/>
           </a:p>
@@ -756,7 +756,7 @@
           <a:p>
             <a:fld id="{32F7251A-AE54-443C-B8FE-5F636E835EBF}" type="datetimeFigureOut">
               <a:rPr lang="en-US" smtClean="0"/>
-              <a:t>7/1/2018</a:t>
+              <a:t>5/19/2019</a:t>
             </a:fld>
             <a:endParaRPr lang="en-US"/>
           </a:p>
@@ -1001,7 +1001,7 @@
           <a:p>
             <a:fld id="{32F7251A-AE54-443C-B8FE-5F636E835EBF}" type="datetimeFigureOut">
               <a:rPr lang="en-US" smtClean="0"/>
-              <a:t>7/1/2018</a:t>
+              <a:t>5/19/2019</a:t>
             </a:fld>
             <a:endParaRPr lang="en-US"/>
           </a:p>
@@ -1230,7 +1230,7 @@
           <a:p>
             <a:fld id="{32F7251A-AE54-443C-B8FE-5F636E835EBF}" type="datetimeFigureOut">
               <a:rPr lang="en-US" smtClean="0"/>
-              <a:t>7/1/2018</a:t>
+              <a:t>5/19/2019</a:t>
             </a:fld>
             <a:endParaRPr lang="en-US"/>
           </a:p>
@@ -1594,7 +1594,7 @@
           <a:p>
             <a:fld id="{32F7251A-AE54-443C-B8FE-5F636E835EBF}" type="datetimeFigureOut">
               <a:rPr lang="en-US" smtClean="0"/>
-              <a:t>7/1/2018</a:t>
+              <a:t>5/19/2019</a:t>
             </a:fld>
             <a:endParaRPr lang="en-US"/>
           </a:p>
@@ -1711,7 +1711,7 @@
           <a:p>
             <a:fld id="{32F7251A-AE54-443C-B8FE-5F636E835EBF}" type="datetimeFigureOut">
               <a:rPr lang="en-US" smtClean="0"/>
-              <a:t>7/1/2018</a:t>
+              <a:t>5/19/2019</a:t>
             </a:fld>
             <a:endParaRPr lang="en-US"/>
           </a:p>
@@ -1806,7 +1806,7 @@
           <a:p>
             <a:fld id="{32F7251A-AE54-443C-B8FE-5F636E835EBF}" type="datetimeFigureOut">
               <a:rPr lang="en-US" smtClean="0"/>
-              <a:t>7/1/2018</a:t>
+              <a:t>5/19/2019</a:t>
             </a:fld>
             <a:endParaRPr lang="en-US"/>
           </a:p>
@@ -2081,7 +2081,7 @@
           <a:p>
             <a:fld id="{32F7251A-AE54-443C-B8FE-5F636E835EBF}" type="datetimeFigureOut">
               <a:rPr lang="en-US" smtClean="0"/>
-              <a:t>7/1/2018</a:t>
+              <a:t>5/19/2019</a:t>
             </a:fld>
             <a:endParaRPr lang="en-US"/>
           </a:p>
@@ -2333,7 +2333,7 @@
           <a:p>
             <a:fld id="{32F7251A-AE54-443C-B8FE-5F636E835EBF}" type="datetimeFigureOut">
               <a:rPr lang="en-US" smtClean="0"/>
-              <a:t>7/1/2018</a:t>
+              <a:t>5/19/2019</a:t>
             </a:fld>
             <a:endParaRPr lang="en-US"/>
           </a:p>
@@ -2547,7 +2547,7 @@
           <a:p>
             <a:fld id="{32F7251A-AE54-443C-B8FE-5F636E835EBF}" type="datetimeFigureOut">
               <a:rPr lang="en-US" smtClean="0"/>
-              <a:t>7/1/2018</a:t>
+              <a:t>5/19/2019</a:t>
             </a:fld>
             <a:endParaRPr lang="en-US"/>
           </a:p>
@@ -3149,12 +3149,20 @@
           <a:p>
             <a:pPr algn="ctr"/>
             <a:r>
+              <a:rPr lang="en-US" sz="3600">
+                <a:solidFill>
+                  <a:schemeClr val="bg1"/>
+                </a:solidFill>
+              </a:rPr>
+              <a:t>Though </a:t>
+            </a:r>
+            <a:r>
               <a:rPr lang="en-US" sz="3600" dirty="0">
                 <a:solidFill>
                   <a:schemeClr val="bg1"/>
                 </a:solidFill>
               </a:rPr>
-              <a:t>Through cisterns be broken, and creatures all fail,</a:t>
+              <a:t>cisterns be broken, and creatures all fail,</a:t>
             </a:r>
           </a:p>
           <a:p>

--- a/344 - Begone, Unbelief.pptx
+++ b/344 - Begone, Unbelief.pptx
@@ -242,7 +242,7 @@
           <a:p>
             <a:fld id="{32F7251A-AE54-443C-B8FE-5F636E835EBF}" type="datetimeFigureOut">
               <a:rPr lang="en-US" smtClean="0"/>
-              <a:t>5/19/2019</a:t>
+              <a:t>8/30/2020</a:t>
             </a:fld>
             <a:endParaRPr lang="en-US"/>
           </a:p>
@@ -410,7 +410,7 @@
           <a:p>
             <a:fld id="{32F7251A-AE54-443C-B8FE-5F636E835EBF}" type="datetimeFigureOut">
               <a:rPr lang="en-US" smtClean="0"/>
-              <a:t>5/19/2019</a:t>
+              <a:t>8/30/2020</a:t>
             </a:fld>
             <a:endParaRPr lang="en-US"/>
           </a:p>
@@ -588,7 +588,7 @@
           <a:p>
             <a:fld id="{32F7251A-AE54-443C-B8FE-5F636E835EBF}" type="datetimeFigureOut">
               <a:rPr lang="en-US" smtClean="0"/>
-              <a:t>5/19/2019</a:t>
+              <a:t>8/30/2020</a:t>
             </a:fld>
             <a:endParaRPr lang="en-US"/>
           </a:p>
@@ -756,7 +756,7 @@
           <a:p>
             <a:fld id="{32F7251A-AE54-443C-B8FE-5F636E835EBF}" type="datetimeFigureOut">
               <a:rPr lang="en-US" smtClean="0"/>
-              <a:t>5/19/2019</a:t>
+              <a:t>8/30/2020</a:t>
             </a:fld>
             <a:endParaRPr lang="en-US"/>
           </a:p>
@@ -1001,7 +1001,7 @@
           <a:p>
             <a:fld id="{32F7251A-AE54-443C-B8FE-5F636E835EBF}" type="datetimeFigureOut">
               <a:rPr lang="en-US" smtClean="0"/>
-              <a:t>5/19/2019</a:t>
+              <a:t>8/30/2020</a:t>
             </a:fld>
             <a:endParaRPr lang="en-US"/>
           </a:p>
@@ -1230,7 +1230,7 @@
           <a:p>
             <a:fld id="{32F7251A-AE54-443C-B8FE-5F636E835EBF}" type="datetimeFigureOut">
               <a:rPr lang="en-US" smtClean="0"/>
-              <a:t>5/19/2019</a:t>
+              <a:t>8/30/2020</a:t>
             </a:fld>
             <a:endParaRPr lang="en-US"/>
           </a:p>
@@ -1594,7 +1594,7 @@
           <a:p>
             <a:fld id="{32F7251A-AE54-443C-B8FE-5F636E835EBF}" type="datetimeFigureOut">
               <a:rPr lang="en-US" smtClean="0"/>
-              <a:t>5/19/2019</a:t>
+              <a:t>8/30/2020</a:t>
             </a:fld>
             <a:endParaRPr lang="en-US"/>
           </a:p>
@@ -1711,7 +1711,7 @@
           <a:p>
             <a:fld id="{32F7251A-AE54-443C-B8FE-5F636E835EBF}" type="datetimeFigureOut">
               <a:rPr lang="en-US" smtClean="0"/>
-              <a:t>5/19/2019</a:t>
+              <a:t>8/30/2020</a:t>
             </a:fld>
             <a:endParaRPr lang="en-US"/>
           </a:p>
@@ -1806,7 +1806,7 @@
           <a:p>
             <a:fld id="{32F7251A-AE54-443C-B8FE-5F636E835EBF}" type="datetimeFigureOut">
               <a:rPr lang="en-US" smtClean="0"/>
-              <a:t>5/19/2019</a:t>
+              <a:t>8/30/2020</a:t>
             </a:fld>
             <a:endParaRPr lang="en-US"/>
           </a:p>
@@ -2081,7 +2081,7 @@
           <a:p>
             <a:fld id="{32F7251A-AE54-443C-B8FE-5F636E835EBF}" type="datetimeFigureOut">
               <a:rPr lang="en-US" smtClean="0"/>
-              <a:t>5/19/2019</a:t>
+              <a:t>8/30/2020</a:t>
             </a:fld>
             <a:endParaRPr lang="en-US"/>
           </a:p>
@@ -2333,7 +2333,7 @@
           <a:p>
             <a:fld id="{32F7251A-AE54-443C-B8FE-5F636E835EBF}" type="datetimeFigureOut">
               <a:rPr lang="en-US" smtClean="0"/>
-              <a:t>5/19/2019</a:t>
+              <a:t>8/30/2020</a:t>
             </a:fld>
             <a:endParaRPr lang="en-US"/>
           </a:p>
@@ -2400,7 +2400,9 @@
     <p:bg>
       <p:bgPr>
         <a:solidFill>
-          <a:srgbClr val="333333"/>
+          <a:schemeClr val="bg1">
+            <a:lumMod val="10000"/>
+          </a:schemeClr>
         </a:solidFill>
         <a:effectLst/>
       </p:bgPr>
@@ -2547,7 +2549,7 @@
           <a:p>
             <a:fld id="{32F7251A-AE54-443C-B8FE-5F636E835EBF}" type="datetimeFigureOut">
               <a:rPr lang="en-US" smtClean="0"/>
-              <a:t>5/19/2019</a:t>
+              <a:t>8/30/2020</a:t>
             </a:fld>
             <a:endParaRPr lang="en-US"/>
           </a:p>
@@ -3017,8 +3019,8 @@
         </p:nvSpPr>
         <p:spPr>
           <a:xfrm>
-            <a:off x="0" y="5804209"/>
-            <a:ext cx="12192000" cy="830997"/>
+            <a:off x="0" y="5927320"/>
+            <a:ext cx="12192000" cy="584775"/>
           </a:xfrm>
           <a:prstGeom prst="rect">
             <a:avLst/>
@@ -3033,10 +3035,12 @@
           <a:p>
             <a:pPr algn="ctr"/>
             <a:r>
-              <a:rPr lang="en-US" sz="4800" dirty="0">
+              <a:rPr lang="en-US" sz="3200" u="sng" dirty="0">
                 <a:solidFill>
                   <a:schemeClr val="bg1"/>
                 </a:solidFill>
+                <a:latin typeface="Assistant SemiBold" panose="00000700000000000000" pitchFamily="2" charset="-79"/>
+                <a:cs typeface="Assistant SemiBold" panose="00000700000000000000" pitchFamily="2" charset="-79"/>
               </a:rPr>
               <a:t>“Begone, Unbelief”</a:t>
             </a:r>
@@ -3051,8 +3055,8 @@
         </p:nvSpPr>
         <p:spPr>
           <a:xfrm>
-            <a:off x="0" y="263801"/>
-            <a:ext cx="12192000" cy="5078313"/>
+            <a:off x="0" y="729571"/>
+            <a:ext cx="12192000" cy="3970318"/>
           </a:xfrm>
           <a:prstGeom prst="rect">
             <a:avLst/>
@@ -3067,10 +3071,12 @@
           <a:p>
             <a:pPr algn="ctr"/>
             <a:r>
-              <a:rPr lang="en-US" sz="3600" dirty="0">
+              <a:rPr lang="en-US" sz="2800" spc="50" dirty="0">
                 <a:solidFill>
                   <a:schemeClr val="bg1"/>
                 </a:solidFill>
+                <a:latin typeface="Assistant" panose="00000500000000000000" pitchFamily="2" charset="-79"/>
+                <a:cs typeface="Assistant" panose="00000500000000000000" pitchFamily="2" charset="-79"/>
               </a:rPr>
               <a:t>Begone, unbelief, my Savior is near,</a:t>
             </a:r>
@@ -3078,10 +3084,12 @@
           <a:p>
             <a:pPr algn="ctr"/>
             <a:r>
-              <a:rPr lang="en-US" sz="3600" dirty="0">
+              <a:rPr lang="en-US" sz="2800" spc="50" dirty="0">
                 <a:solidFill>
                   <a:schemeClr val="bg1"/>
                 </a:solidFill>
+                <a:latin typeface="Assistant" panose="00000500000000000000" pitchFamily="2" charset="-79"/>
+                <a:cs typeface="Assistant" panose="00000500000000000000" pitchFamily="2" charset="-79"/>
               </a:rPr>
               <a:t>And for my relief will surely appear.</a:t>
             </a:r>
@@ -3089,10 +3097,12 @@
           <a:p>
             <a:pPr algn="ctr"/>
             <a:r>
-              <a:rPr lang="en-US" sz="3600" dirty="0">
+              <a:rPr lang="en-US" sz="2800" spc="50" dirty="0">
                 <a:solidFill>
                   <a:schemeClr val="bg1"/>
                 </a:solidFill>
+                <a:latin typeface="Assistant" panose="00000500000000000000" pitchFamily="2" charset="-79"/>
+                <a:cs typeface="Assistant" panose="00000500000000000000" pitchFamily="2" charset="-79"/>
               </a:rPr>
               <a:t>By prayer, let me wrestle, and He will perform;</a:t>
             </a:r>
@@ -3100,29 +3110,35 @@
           <a:p>
             <a:pPr algn="ctr"/>
             <a:r>
-              <a:rPr lang="en-US" sz="3600" dirty="0">
+              <a:rPr lang="en-US" sz="2800" spc="50" dirty="0">
                 <a:solidFill>
                   <a:schemeClr val="bg1"/>
                 </a:solidFill>
+                <a:latin typeface="Assistant" panose="00000500000000000000" pitchFamily="2" charset="-79"/>
+                <a:cs typeface="Assistant" panose="00000500000000000000" pitchFamily="2" charset="-79"/>
               </a:rPr>
               <a:t>With Christ in the vessel, I smile at the storm.</a:t>
             </a:r>
           </a:p>
           <a:p>
             <a:pPr algn="ctr"/>
-            <a:endParaRPr lang="en-US" sz="3600" dirty="0">
+            <a:endParaRPr lang="en-US" sz="2800" spc="50" dirty="0">
               <a:solidFill>
                 <a:schemeClr val="bg1"/>
               </a:solidFill>
+              <a:latin typeface="Assistant" panose="00000500000000000000" pitchFamily="2" charset="-79"/>
+              <a:cs typeface="Assistant" panose="00000500000000000000" pitchFamily="2" charset="-79"/>
             </a:endParaRPr>
           </a:p>
           <a:p>
             <a:pPr algn="ctr"/>
             <a:r>
-              <a:rPr lang="en-US" sz="3600" dirty="0">
+              <a:rPr lang="en-US" sz="2800" spc="50" dirty="0">
                 <a:solidFill>
                   <a:schemeClr val="bg1"/>
                 </a:solidFill>
+                <a:latin typeface="Assistant" panose="00000500000000000000" pitchFamily="2" charset="-79"/>
+                <a:cs typeface="Assistant" panose="00000500000000000000" pitchFamily="2" charset="-79"/>
               </a:rPr>
               <a:t>Though dark be my way, since He is my guide</a:t>
             </a:r>
@@ -3130,18 +3146,22 @@
           <a:p>
             <a:pPr algn="ctr"/>
             <a:r>
-              <a:rPr lang="en-US" sz="3600" dirty="0" err="1">
+              <a:rPr lang="en-US" sz="2800" spc="50" dirty="0" err="1">
                 <a:solidFill>
                   <a:schemeClr val="bg1"/>
                 </a:solidFill>
+                <a:latin typeface="Assistant" panose="00000500000000000000" pitchFamily="2" charset="-79"/>
+                <a:cs typeface="Assistant" panose="00000500000000000000" pitchFamily="2" charset="-79"/>
               </a:rPr>
               <a:t>‘Tis</a:t>
             </a:r>
             <a:r>
-              <a:rPr lang="en-US" sz="3600" dirty="0">
+              <a:rPr lang="en-US" sz="2800" spc="50" dirty="0">
                 <a:solidFill>
                   <a:schemeClr val="bg1"/>
                 </a:solidFill>
+                <a:latin typeface="Assistant" panose="00000500000000000000" pitchFamily="2" charset="-79"/>
+                <a:cs typeface="Assistant" panose="00000500000000000000" pitchFamily="2" charset="-79"/>
               </a:rPr>
               <a:t> mine to obey, ‘tis His to provide.</a:t>
             </a:r>
@@ -3149,29 +3169,25 @@
           <a:p>
             <a:pPr algn="ctr"/>
             <a:r>
-              <a:rPr lang="en-US" sz="3600">
+              <a:rPr lang="en-US" sz="2800" spc="50" dirty="0">
                 <a:solidFill>
                   <a:schemeClr val="bg1"/>
                 </a:solidFill>
+                <a:latin typeface="Assistant" panose="00000500000000000000" pitchFamily="2" charset="-79"/>
+                <a:cs typeface="Assistant" panose="00000500000000000000" pitchFamily="2" charset="-79"/>
               </a:rPr>
-              <a:t>Though </a:t>
-            </a:r>
-            <a:r>
-              <a:rPr lang="en-US" sz="3600" dirty="0">
+              <a:t>Though cisterns be broken, and creatures all fail,</a:t>
+            </a:r>
+          </a:p>
+          <a:p>
+            <a:pPr algn="ctr"/>
+            <a:r>
+              <a:rPr lang="en-US" sz="2800" spc="50" dirty="0">
                 <a:solidFill>
                   <a:schemeClr val="bg1"/>
                 </a:solidFill>
-              </a:rPr>
-              <a:t>cisterns be broken, and creatures all fail,</a:t>
-            </a:r>
-          </a:p>
-          <a:p>
-            <a:pPr algn="ctr"/>
-            <a:r>
-              <a:rPr lang="en-US" sz="3600" dirty="0">
-                <a:solidFill>
-                  <a:schemeClr val="bg1"/>
-                </a:solidFill>
+                <a:latin typeface="Assistant" panose="00000500000000000000" pitchFamily="2" charset="-79"/>
+                <a:cs typeface="Assistant" panose="00000500000000000000" pitchFamily="2" charset="-79"/>
               </a:rPr>
               <a:t>The word He has spoken will surely prevail.</a:t>
             </a:r>
@@ -3273,8 +3289,8 @@
         </p:nvSpPr>
         <p:spPr>
           <a:xfrm>
-            <a:off x="0" y="5804209"/>
-            <a:ext cx="12192000" cy="830997"/>
+            <a:off x="0" y="5927320"/>
+            <a:ext cx="12192000" cy="584775"/>
           </a:xfrm>
           <a:prstGeom prst="rect">
             <a:avLst/>
@@ -3289,10 +3305,12 @@
           <a:p>
             <a:pPr algn="ctr"/>
             <a:r>
-              <a:rPr lang="en-US" sz="4800" dirty="0">
+              <a:rPr lang="en-US" sz="3200" u="sng" dirty="0">
                 <a:solidFill>
                   <a:schemeClr val="bg1"/>
                 </a:solidFill>
+                <a:latin typeface="Assistant SemiBold" panose="00000700000000000000" pitchFamily="2" charset="-79"/>
+                <a:cs typeface="Assistant SemiBold" panose="00000700000000000000" pitchFamily="2" charset="-79"/>
               </a:rPr>
               <a:t>“Begone, Unbelief”</a:t>
             </a:r>
@@ -3307,8 +3325,8 @@
         </p:nvSpPr>
         <p:spPr>
           <a:xfrm>
-            <a:off x="-2" y="1403488"/>
-            <a:ext cx="12192000" cy="2308324"/>
+            <a:off x="0" y="1613118"/>
+            <a:ext cx="12192000" cy="1815882"/>
           </a:xfrm>
           <a:prstGeom prst="rect">
             <a:avLst/>
@@ -3323,10 +3341,12 @@
           <a:p>
             <a:pPr algn="ctr"/>
             <a:r>
-              <a:rPr lang="en-US" sz="3600" dirty="0">
+              <a:rPr lang="en-US" sz="2800" spc="50" dirty="0">
                 <a:solidFill>
                   <a:schemeClr val="bg1"/>
                 </a:solidFill>
+                <a:latin typeface="Assistant" panose="00000500000000000000" pitchFamily="2" charset="-79"/>
+                <a:cs typeface="Assistant" panose="00000500000000000000" pitchFamily="2" charset="-79"/>
               </a:rPr>
               <a:t>His love in time past forbids me to think</a:t>
             </a:r>
@@ -3334,10 +3354,12 @@
           <a:p>
             <a:pPr algn="ctr"/>
             <a:r>
-              <a:rPr lang="en-US" sz="3600" dirty="0">
+              <a:rPr lang="en-US" sz="2800" spc="50" dirty="0">
                 <a:solidFill>
                   <a:schemeClr val="bg1"/>
                 </a:solidFill>
+                <a:latin typeface="Assistant" panose="00000500000000000000" pitchFamily="2" charset="-79"/>
+                <a:cs typeface="Assistant" panose="00000500000000000000" pitchFamily="2" charset="-79"/>
               </a:rPr>
               <a:t>He’ll leave me at last in trouble to sink.</a:t>
             </a:r>
@@ -3345,10 +3367,12 @@
           <a:p>
             <a:pPr algn="ctr"/>
             <a:r>
-              <a:rPr lang="en-US" sz="3600" dirty="0">
+              <a:rPr lang="en-US" sz="2800" spc="50" dirty="0">
                 <a:solidFill>
                   <a:schemeClr val="bg1"/>
                 </a:solidFill>
+                <a:latin typeface="Assistant" panose="00000500000000000000" pitchFamily="2" charset="-79"/>
+                <a:cs typeface="Assistant" panose="00000500000000000000" pitchFamily="2" charset="-79"/>
               </a:rPr>
               <a:t>Each sweet Ebenezer I have in review</a:t>
             </a:r>
@@ -3356,28 +3380,14 @@
           <a:p>
             <a:pPr algn="ctr"/>
             <a:r>
-              <a:rPr lang="en-US" sz="3600" dirty="0">
+              <a:rPr lang="en-US" sz="2800" spc="50" dirty="0">
                 <a:solidFill>
                   <a:schemeClr val="bg1"/>
                 </a:solidFill>
+                <a:latin typeface="Assistant" panose="00000500000000000000" pitchFamily="2" charset="-79"/>
+                <a:cs typeface="Assistant" panose="00000500000000000000" pitchFamily="2" charset="-79"/>
               </a:rPr>
-              <a:t>Confirms His good pleasure </a:t>
-            </a:r>
-            <a:r>
-              <a:rPr lang="en-US" sz="3600">
-                <a:solidFill>
-                  <a:schemeClr val="bg1"/>
-                </a:solidFill>
-              </a:rPr>
-              <a:t>to bring </a:t>
-            </a:r>
-            <a:r>
-              <a:rPr lang="en-US" sz="3600" dirty="0">
-                <a:solidFill>
-                  <a:schemeClr val="bg1"/>
-                </a:solidFill>
-              </a:rPr>
-              <a:t>me quite through.</a:t>
+              <a:t>Confirms His good pleasure to bring me quite through.</a:t>
             </a:r>
           </a:p>
         </p:txBody>
